--- a/Programacion web extendido/PW_Sesion21.pptx
+++ b/Programacion web extendido/PW_Sesion21.pptx
@@ -231,7 +231,7 @@
           <a:p>
             <a:fld id="{7FF7D7FF-DDC7-474C-8526-899954A31AD1}" type="datetimeFigureOut">
               <a:rPr lang="es-EC" smtClean="0"/>
-              <a:t>2/9/2024</a:t>
+              <a:t>29/9/2024</a:t>
             </a:fld>
             <a:endParaRPr lang="es-EC"/>
           </a:p>
@@ -408,7 +408,7 @@
           <a:p>
             <a:fld id="{A266080D-5226-48DF-A08B-67FADEB85FAB}" type="datetimeFigureOut">
               <a:rPr lang="es-419" smtClean="0"/>
-              <a:t>2/9/2024</a:t>
+              <a:t>29/9/2024</a:t>
             </a:fld>
             <a:endParaRPr lang="es-419"/>
           </a:p>
@@ -807,7 +807,7 @@
           <a:p>
             <a:fld id="{8FEB83C7-CE7D-EE43-931B-A983B2AE7CF3}" type="datetimeFigureOut">
               <a:rPr lang="es-EC" smtClean="0"/>
-              <a:t>2/9/2024</a:t>
+              <a:t>29/9/2024</a:t>
             </a:fld>
             <a:endParaRPr lang="es-EC"/>
           </a:p>
@@ -977,7 +977,7 @@
           <a:p>
             <a:fld id="{8FEB83C7-CE7D-EE43-931B-A983B2AE7CF3}" type="datetimeFigureOut">
               <a:rPr lang="es-EC" smtClean="0"/>
-              <a:t>2/9/2024</a:t>
+              <a:t>29/9/2024</a:t>
             </a:fld>
             <a:endParaRPr lang="es-EC"/>
           </a:p>
@@ -1157,7 +1157,7 @@
           <a:p>
             <a:fld id="{8FEB83C7-CE7D-EE43-931B-A983B2AE7CF3}" type="datetimeFigureOut">
               <a:rPr lang="es-EC" smtClean="0"/>
-              <a:t>2/9/2024</a:t>
+              <a:t>29/9/2024</a:t>
             </a:fld>
             <a:endParaRPr lang="es-EC"/>
           </a:p>
@@ -1543,7 +1543,7 @@
           <a:p>
             <a:fld id="{1D8BD707-D9CF-40AE-B4C6-C98DA3205C09}" type="datetimeFigureOut">
               <a:rPr lang="en-US"/>
-              <a:t>9/2/2024</a:t>
+              <a:t>9/29/2024</a:t>
             </a:fld>
             <a:endParaRPr lang="en-US"/>
           </a:p>
@@ -1804,7 +1804,7 @@
           <a:p>
             <a:fld id="{1D8BD707-D9CF-40AE-B4C6-C98DA3205C09}" type="datetimeFigureOut">
               <a:rPr lang="en-US"/>
-              <a:t>9/2/2024</a:t>
+              <a:t>9/29/2024</a:t>
             </a:fld>
             <a:endParaRPr lang="en-US"/>
           </a:p>
@@ -2028,7 +2028,7 @@
           <a:p>
             <a:fld id="{1D8BD707-D9CF-40AE-B4C6-C98DA3205C09}" type="datetimeFigureOut">
               <a:rPr lang="en-US"/>
-              <a:t>9/2/2024</a:t>
+              <a:t>9/29/2024</a:t>
             </a:fld>
             <a:endParaRPr lang="en-US"/>
           </a:p>
@@ -2216,7 +2216,7 @@
           <a:p>
             <a:fld id="{1D8BD707-D9CF-40AE-B4C6-C98DA3205C09}" type="datetimeFigureOut">
               <a:rPr lang="en-US"/>
-              <a:t>9/2/2024</a:t>
+              <a:t>9/29/2024</a:t>
             </a:fld>
             <a:endParaRPr lang="en-US"/>
           </a:p>
@@ -2340,7 +2340,7 @@
           <a:p>
             <a:fld id="{1D8BD707-D9CF-40AE-B4C6-C98DA3205C09}" type="datetimeFigureOut">
               <a:rPr lang="en-US"/>
-              <a:t>9/2/2024</a:t>
+              <a:t>9/29/2024</a:t>
             </a:fld>
             <a:endParaRPr lang="en-US"/>
           </a:p>
@@ -2500,7 +2500,7 @@
           <a:p>
             <a:fld id="{8FEB83C7-CE7D-EE43-931B-A983B2AE7CF3}" type="datetimeFigureOut">
               <a:rPr lang="es-EC" smtClean="0"/>
-              <a:t>2/9/2024</a:t>
+              <a:t>29/9/2024</a:t>
             </a:fld>
             <a:endParaRPr lang="es-EC"/>
           </a:p>
@@ -2967,7 +2967,7 @@
           <a:p>
             <a:fld id="{8FEB83C7-CE7D-EE43-931B-A983B2AE7CF3}" type="datetimeFigureOut">
               <a:rPr lang="es-EC" smtClean="0"/>
-              <a:t>2/9/2024</a:t>
+              <a:t>29/9/2024</a:t>
             </a:fld>
             <a:endParaRPr lang="es-EC"/>
           </a:p>
@@ -3199,7 +3199,7 @@
           <a:p>
             <a:fld id="{8FEB83C7-CE7D-EE43-931B-A983B2AE7CF3}" type="datetimeFigureOut">
               <a:rPr lang="es-EC" smtClean="0"/>
-              <a:t>2/9/2024</a:t>
+              <a:t>29/9/2024</a:t>
             </a:fld>
             <a:endParaRPr lang="es-EC"/>
           </a:p>
@@ -3566,7 +3566,7 @@
           <a:p>
             <a:fld id="{8FEB83C7-CE7D-EE43-931B-A983B2AE7CF3}" type="datetimeFigureOut">
               <a:rPr lang="es-EC" smtClean="0"/>
-              <a:t>2/9/2024</a:t>
+              <a:t>29/9/2024</a:t>
             </a:fld>
             <a:endParaRPr lang="es-EC"/>
           </a:p>
@@ -3684,7 +3684,7 @@
           <a:p>
             <a:fld id="{8FEB83C7-CE7D-EE43-931B-A983B2AE7CF3}" type="datetimeFigureOut">
               <a:rPr lang="es-EC" smtClean="0"/>
-              <a:t>2/9/2024</a:t>
+              <a:t>29/9/2024</a:t>
             </a:fld>
             <a:endParaRPr lang="es-EC"/>
           </a:p>
@@ -3779,7 +3779,7 @@
           <a:p>
             <a:fld id="{8FEB83C7-CE7D-EE43-931B-A983B2AE7CF3}" type="datetimeFigureOut">
               <a:rPr lang="es-EC" smtClean="0"/>
-              <a:t>2/9/2024</a:t>
+              <a:t>29/9/2024</a:t>
             </a:fld>
             <a:endParaRPr lang="es-EC"/>
           </a:p>
@@ -4056,7 +4056,7 @@
           <a:p>
             <a:fld id="{8FEB83C7-CE7D-EE43-931B-A983B2AE7CF3}" type="datetimeFigureOut">
               <a:rPr lang="es-EC" smtClean="0"/>
-              <a:t>2/9/2024</a:t>
+              <a:t>29/9/2024</a:t>
             </a:fld>
             <a:endParaRPr lang="es-EC"/>
           </a:p>
@@ -4313,7 +4313,7 @@
           <a:p>
             <a:fld id="{8FEB83C7-CE7D-EE43-931B-A983B2AE7CF3}" type="datetimeFigureOut">
               <a:rPr lang="es-EC" smtClean="0"/>
-              <a:t>2/9/2024</a:t>
+              <a:t>29/9/2024</a:t>
             </a:fld>
             <a:endParaRPr lang="es-EC"/>
           </a:p>
@@ -4526,7 +4526,7 @@
           <a:p>
             <a:fld id="{8FEB83C7-CE7D-EE43-931B-A983B2AE7CF3}" type="datetimeFigureOut">
               <a:rPr lang="es-EC" smtClean="0"/>
-              <a:t>2/9/2024</a:t>
+              <a:t>29/9/2024</a:t>
             </a:fld>
             <a:endParaRPr lang="es-EC"/>
           </a:p>
@@ -5090,7 +5090,7 @@
           <a:p>
             <a:fld id="{1D8BD707-D9CF-40AE-B4C6-C98DA3205C09}" type="datetimeFigureOut">
               <a:rPr lang="en-US"/>
-              <a:t>9/2/2024</a:t>
+              <a:t>9/29/2024</a:t>
             </a:fld>
             <a:endParaRPr lang="en-US"/>
           </a:p>
@@ -5442,7 +5442,7 @@
           <a:p>
             <a:fld id="{8FEB83C7-CE7D-EE43-931B-A983B2AE7CF3}" type="datetimeFigureOut">
               <a:rPr lang="es-EC" smtClean="0"/>
-              <a:t>2/9/2024</a:t>
+              <a:t>29/9/2024</a:t>
             </a:fld>
             <a:endParaRPr lang="es-EC"/>
           </a:p>
@@ -5916,16 +5916,12 @@
           <a:lstStyle/>
           <a:p>
             <a:r>
+              <a:rPr lang="es-419" dirty="0"/>
+              <a:t>Sesión 21: Sentencia f</a:t>
+            </a:r>
+            <a:r>
               <a:rPr lang="es-419"/>
-              <a:t>Sesión 21: </a:t>
-            </a:r>
-            <a:r>
-              <a:rPr lang="es-419" dirty="0"/>
-              <a:t>Sentencia </a:t>
-            </a:r>
-            <a:r>
-              <a:rPr lang="es-419" dirty="0" err="1"/>
-              <a:t>For</a:t>
+              <a:t>or</a:t>
             </a:r>
             <a:r>
               <a:rPr lang="es-419" dirty="0"/>
